--- a/results.pptx
+++ b/results.pptx
@@ -6,10 +6,6 @@
   </p:sldMasterIdLst>
   <p:sldIdLst>
     <p:sldId id="256" r:id="rId2"/>
-    <p:sldId id="257" r:id="rId3"/>
-    <p:sldId id="258" r:id="rId4"/>
-    <p:sldId id="259" r:id="rId5"/>
-    <p:sldId id="260" r:id="rId6"/>
   </p:sldIdLst>
   <p:sldSz cx="12192000" cy="6858000"/>
   <p:notesSz cx="6858000" cy="9144000"/>
@@ -263,7 +259,7 @@
           <a:p>
             <a:fld id="{EE5F796D-B144-44D1-832E-9914BCA25C97}" type="datetimeFigureOut">
               <a:rPr lang="en-US" smtClean="0"/>
-              <a:t>10/11/2021</a:t>
+              <a:t>11/8/2021</a:t>
             </a:fld>
             <a:endParaRPr lang="en-US"/>
           </a:p>
@@ -461,7 +457,7 @@
           <a:p>
             <a:fld id="{EE5F796D-B144-44D1-832E-9914BCA25C97}" type="datetimeFigureOut">
               <a:rPr lang="en-US" smtClean="0"/>
-              <a:t>10/11/2021</a:t>
+              <a:t>11/8/2021</a:t>
             </a:fld>
             <a:endParaRPr lang="en-US"/>
           </a:p>
@@ -669,7 +665,7 @@
           <a:p>
             <a:fld id="{EE5F796D-B144-44D1-832E-9914BCA25C97}" type="datetimeFigureOut">
               <a:rPr lang="en-US" smtClean="0"/>
-              <a:t>10/11/2021</a:t>
+              <a:t>11/8/2021</a:t>
             </a:fld>
             <a:endParaRPr lang="en-US"/>
           </a:p>
@@ -867,7 +863,7 @@
           <a:p>
             <a:fld id="{EE5F796D-B144-44D1-832E-9914BCA25C97}" type="datetimeFigureOut">
               <a:rPr lang="en-US" smtClean="0"/>
-              <a:t>10/11/2021</a:t>
+              <a:t>11/8/2021</a:t>
             </a:fld>
             <a:endParaRPr lang="en-US"/>
           </a:p>
@@ -1142,7 +1138,7 @@
           <a:p>
             <a:fld id="{EE5F796D-B144-44D1-832E-9914BCA25C97}" type="datetimeFigureOut">
               <a:rPr lang="en-US" smtClean="0"/>
-              <a:t>10/11/2021</a:t>
+              <a:t>11/8/2021</a:t>
             </a:fld>
             <a:endParaRPr lang="en-US"/>
           </a:p>
@@ -1407,7 +1403,7 @@
           <a:p>
             <a:fld id="{EE5F796D-B144-44D1-832E-9914BCA25C97}" type="datetimeFigureOut">
               <a:rPr lang="en-US" smtClean="0"/>
-              <a:t>10/11/2021</a:t>
+              <a:t>11/8/2021</a:t>
             </a:fld>
             <a:endParaRPr lang="en-US"/>
           </a:p>
@@ -1819,7 +1815,7 @@
           <a:p>
             <a:fld id="{EE5F796D-B144-44D1-832E-9914BCA25C97}" type="datetimeFigureOut">
               <a:rPr lang="en-US" smtClean="0"/>
-              <a:t>10/11/2021</a:t>
+              <a:t>11/8/2021</a:t>
             </a:fld>
             <a:endParaRPr lang="en-US"/>
           </a:p>
@@ -1960,7 +1956,7 @@
           <a:p>
             <a:fld id="{EE5F796D-B144-44D1-832E-9914BCA25C97}" type="datetimeFigureOut">
               <a:rPr lang="en-US" smtClean="0"/>
-              <a:t>10/11/2021</a:t>
+              <a:t>11/8/2021</a:t>
             </a:fld>
             <a:endParaRPr lang="en-US"/>
           </a:p>
@@ -2073,7 +2069,7 @@
           <a:p>
             <a:fld id="{EE5F796D-B144-44D1-832E-9914BCA25C97}" type="datetimeFigureOut">
               <a:rPr lang="en-US" smtClean="0"/>
-              <a:t>10/11/2021</a:t>
+              <a:t>11/8/2021</a:t>
             </a:fld>
             <a:endParaRPr lang="en-US"/>
           </a:p>
@@ -2384,7 +2380,7 @@
           <a:p>
             <a:fld id="{EE5F796D-B144-44D1-832E-9914BCA25C97}" type="datetimeFigureOut">
               <a:rPr lang="en-US" smtClean="0"/>
-              <a:t>10/11/2021</a:t>
+              <a:t>11/8/2021</a:t>
             </a:fld>
             <a:endParaRPr lang="en-US"/>
           </a:p>
@@ -2672,7 +2668,7 @@
           <a:p>
             <a:fld id="{EE5F796D-B144-44D1-832E-9914BCA25C97}" type="datetimeFigureOut">
               <a:rPr lang="en-US" smtClean="0"/>
-              <a:t>10/11/2021</a:t>
+              <a:t>11/8/2021</a:t>
             </a:fld>
             <a:endParaRPr lang="en-US"/>
           </a:p>
@@ -2913,7 +2909,7 @@
           <a:p>
             <a:fld id="{EE5F796D-B144-44D1-832E-9914BCA25C97}" type="datetimeFigureOut">
               <a:rPr lang="en-US" smtClean="0"/>
-              <a:t>10/11/2021</a:t>
+              <a:t>11/8/2021</a:t>
             </a:fld>
             <a:endParaRPr lang="en-US"/>
           </a:p>
@@ -3396,1146 +3392,6 @@
 </p:sld>
 </file>
 
-<file path=ppt/slides/slide2.xml><?xml version="1.0" encoding="utf-8"?>
-<p:sld xmlns:a="http://schemas.openxmlformats.org/drawingml/2006/main" xmlns:r="http://schemas.openxmlformats.org/officeDocument/2006/relationships" xmlns:p="http://schemas.openxmlformats.org/presentationml/2006/main">
-  <p:cSld>
-    <p:spTree>
-      <p:nvGrpSpPr>
-        <p:cNvPr id="1" name=""/>
-        <p:cNvGrpSpPr/>
-        <p:nvPr/>
-      </p:nvGrpSpPr>
-      <p:grpSpPr>
-        <a:xfrm>
-          <a:off x="0" y="0"/>
-          <a:ext cx="0" cy="0"/>
-          <a:chOff x="0" y="0"/>
-          <a:chExt cx="0" cy="0"/>
-        </a:xfrm>
-      </p:grpSpPr>
-      <p:pic>
-        <p:nvPicPr>
-          <p:cNvPr id="5" name="Picture 4" descr="Chart, radar chart&#10;&#10;Description automatically generated">
-            <a:extLst>
-              <a:ext uri="{FF2B5EF4-FFF2-40B4-BE49-F238E27FC236}">
-                <a16:creationId xmlns:a16="http://schemas.microsoft.com/office/drawing/2014/main" id="{113F0124-D765-47A0-A50E-537959144E1A}"/>
-              </a:ext>
-            </a:extLst>
-          </p:cNvPr>
-          <p:cNvPicPr>
-            <a:picLocks noChangeAspect="1"/>
-          </p:cNvPicPr>
-          <p:nvPr/>
-        </p:nvPicPr>
-        <p:blipFill>
-          <a:blip r:embed="rId2">
-            <a:extLst>
-              <a:ext uri="{28A0092B-C50C-407E-A947-70E740481C1C}">
-                <a14:useLocalDpi xmlns:a14="http://schemas.microsoft.com/office/drawing/2010/main" val="0"/>
-              </a:ext>
-            </a:extLst>
-          </a:blip>
-          <a:stretch>
-            <a:fillRect/>
-          </a:stretch>
-        </p:blipFill>
-        <p:spPr>
-          <a:xfrm>
-            <a:off x="385532" y="524938"/>
-            <a:ext cx="5810250" cy="5648325"/>
-          </a:xfrm>
-          <a:prstGeom prst="rect">
-            <a:avLst/>
-          </a:prstGeom>
-        </p:spPr>
-      </p:pic>
-      <p:sp>
-        <p:nvSpPr>
-          <p:cNvPr id="6" name="TextBox 5">
-            <a:extLst>
-              <a:ext uri="{FF2B5EF4-FFF2-40B4-BE49-F238E27FC236}">
-                <a16:creationId xmlns:a16="http://schemas.microsoft.com/office/drawing/2014/main" id="{DD1D692B-3C16-43E1-8607-1C48AF35D760}"/>
-              </a:ext>
-            </a:extLst>
-          </p:cNvPr>
-          <p:cNvSpPr txBox="1"/>
-          <p:nvPr/>
-        </p:nvSpPr>
-        <p:spPr>
-          <a:xfrm>
-            <a:off x="6720395" y="941033"/>
-            <a:ext cx="3737500" cy="1477328"/>
-          </a:xfrm>
-          <a:prstGeom prst="rect">
-            <a:avLst/>
-          </a:prstGeom>
-          <a:noFill/>
-        </p:spPr>
-        <p:txBody>
-          <a:bodyPr wrap="square" rtlCol="0">
-            <a:spAutoFit/>
-          </a:bodyPr>
-          <a:lstStyle/>
-          <a:p>
-            <a:r>
-              <a:rPr lang="en-US" altLang="zh-CN" dirty="0"/>
-              <a:t>Iso view of the experiment</a:t>
-            </a:r>
-          </a:p>
-          <a:p>
-            <a:endParaRPr lang="en-US" dirty="0"/>
-          </a:p>
-          <a:p>
-            <a:r>
-              <a:rPr lang="en-US" dirty="0"/>
-              <a:t>Using 6-link rigid arm robot</a:t>
-            </a:r>
-          </a:p>
-          <a:p>
-            <a:endParaRPr lang="en-US" dirty="0"/>
-          </a:p>
-          <a:p>
-            <a:r>
-              <a:rPr lang="en-US" dirty="0"/>
-              <a:t>Estimating r0 using mod function </a:t>
-            </a:r>
-          </a:p>
-        </p:txBody>
-      </p:sp>
-    </p:spTree>
-    <p:extLst>
-      <p:ext uri="{BB962C8B-B14F-4D97-AF65-F5344CB8AC3E}">
-        <p14:creationId xmlns:p14="http://schemas.microsoft.com/office/powerpoint/2010/main" val="1416477081"/>
-      </p:ext>
-    </p:extLst>
-  </p:cSld>
-  <p:clrMapOvr>
-    <a:masterClrMapping/>
-  </p:clrMapOvr>
-</p:sld>
-</file>
-
-<file path=ppt/slides/slide3.xml><?xml version="1.0" encoding="utf-8"?>
-<p:sld xmlns:a="http://schemas.openxmlformats.org/drawingml/2006/main" xmlns:r="http://schemas.openxmlformats.org/officeDocument/2006/relationships" xmlns:p="http://schemas.openxmlformats.org/presentationml/2006/main">
-  <p:cSld>
-    <p:spTree>
-      <p:nvGrpSpPr>
-        <p:cNvPr id="1" name=""/>
-        <p:cNvGrpSpPr/>
-        <p:nvPr/>
-      </p:nvGrpSpPr>
-      <p:grpSpPr>
-        <a:xfrm>
-          <a:off x="0" y="0"/>
-          <a:ext cx="0" cy="0"/>
-          <a:chOff x="0" y="0"/>
-          <a:chExt cx="0" cy="0"/>
-        </a:xfrm>
-      </p:grpSpPr>
-      <p:pic>
-        <p:nvPicPr>
-          <p:cNvPr id="3" name="Picture 2" descr="A picture containing graphical user interface&#10;&#10;Description automatically generated">
-            <a:extLst>
-              <a:ext uri="{FF2B5EF4-FFF2-40B4-BE49-F238E27FC236}">
-                <a16:creationId xmlns:a16="http://schemas.microsoft.com/office/drawing/2014/main" id="{86CD1807-6DFF-4F53-9525-794FEDE10666}"/>
-              </a:ext>
-            </a:extLst>
-          </p:cNvPr>
-          <p:cNvPicPr>
-            <a:picLocks noChangeAspect="1"/>
-          </p:cNvPicPr>
-          <p:nvPr/>
-        </p:nvPicPr>
-        <p:blipFill>
-          <a:blip r:embed="rId2">
-            <a:extLst>
-              <a:ext uri="{28A0092B-C50C-407E-A947-70E740481C1C}">
-                <a14:useLocalDpi xmlns:a14="http://schemas.microsoft.com/office/drawing/2010/main" val="0"/>
-              </a:ext>
-            </a:extLst>
-          </a:blip>
-          <a:stretch>
-            <a:fillRect/>
-          </a:stretch>
-        </p:blipFill>
-        <p:spPr>
-          <a:xfrm>
-            <a:off x="295183" y="638637"/>
-            <a:ext cx="5334000" cy="4000500"/>
-          </a:xfrm>
-          <a:prstGeom prst="rect">
-            <a:avLst/>
-          </a:prstGeom>
-        </p:spPr>
-      </p:pic>
-      <p:sp>
-        <p:nvSpPr>
-          <p:cNvPr id="4" name="TextBox 3">
-            <a:extLst>
-              <a:ext uri="{FF2B5EF4-FFF2-40B4-BE49-F238E27FC236}">
-                <a16:creationId xmlns:a16="http://schemas.microsoft.com/office/drawing/2014/main" id="{A2DBD461-31B4-4DEB-80A9-EE391B9C43A7}"/>
-              </a:ext>
-            </a:extLst>
-          </p:cNvPr>
-          <p:cNvSpPr txBox="1"/>
-          <p:nvPr/>
-        </p:nvSpPr>
-        <p:spPr>
-          <a:xfrm>
-            <a:off x="6720395" y="941033"/>
-            <a:ext cx="2760956" cy="1754326"/>
-          </a:xfrm>
-          <a:prstGeom prst="rect">
-            <a:avLst/>
-          </a:prstGeom>
-          <a:noFill/>
-        </p:spPr>
-        <p:txBody>
-          <a:bodyPr wrap="square" rtlCol="0">
-            <a:spAutoFit/>
-          </a:bodyPr>
-          <a:lstStyle/>
-          <a:p>
-            <a:r>
-              <a:rPr lang="en-US" dirty="0"/>
-              <a:t>Data Overview</a:t>
-            </a:r>
-          </a:p>
-          <a:p>
-            <a:r>
-              <a:rPr lang="en-US" dirty="0"/>
-              <a:t>Row1: bending angle</a:t>
-            </a:r>
-          </a:p>
-          <a:p>
-            <a:r>
-              <a:rPr lang="en-US" dirty="0"/>
-              <a:t>Row2: 3-point filtered angular velocity</a:t>
-            </a:r>
-          </a:p>
-          <a:p>
-            <a:r>
-              <a:rPr lang="en-US" dirty="0"/>
-              <a:t>Row3: pressure in psi</a:t>
-            </a:r>
-          </a:p>
-          <a:p>
-            <a:r>
-              <a:rPr lang="en-US" dirty="0"/>
-              <a:t>Row4: calculated torque </a:t>
-            </a:r>
-          </a:p>
-        </p:txBody>
-      </p:sp>
-    </p:spTree>
-    <p:extLst>
-      <p:ext uri="{BB962C8B-B14F-4D97-AF65-F5344CB8AC3E}">
-        <p14:creationId xmlns:p14="http://schemas.microsoft.com/office/powerpoint/2010/main" val="3779084433"/>
-      </p:ext>
-    </p:extLst>
-  </p:cSld>
-  <p:clrMapOvr>
-    <a:masterClrMapping/>
-  </p:clrMapOvr>
-</p:sld>
-</file>
-
-<file path=ppt/slides/slide4.xml><?xml version="1.0" encoding="utf-8"?>
-<p:sld xmlns:a="http://schemas.openxmlformats.org/drawingml/2006/main" xmlns:r="http://schemas.openxmlformats.org/officeDocument/2006/relationships" xmlns:p="http://schemas.openxmlformats.org/presentationml/2006/main">
-  <p:cSld>
-    <p:spTree>
-      <p:nvGrpSpPr>
-        <p:cNvPr id="1" name=""/>
-        <p:cNvGrpSpPr/>
-        <p:nvPr/>
-      </p:nvGrpSpPr>
-      <p:grpSpPr>
-        <a:xfrm>
-          <a:off x="0" y="0"/>
-          <a:ext cx="0" cy="0"/>
-          <a:chOff x="0" y="0"/>
-          <a:chExt cx="0" cy="0"/>
-        </a:xfrm>
-      </p:grpSpPr>
-      <p:pic>
-        <p:nvPicPr>
-          <p:cNvPr id="3" name="Picture 2" descr="Chart&#10;&#10;Description automatically generated">
-            <a:extLst>
-              <a:ext uri="{FF2B5EF4-FFF2-40B4-BE49-F238E27FC236}">
-                <a16:creationId xmlns:a16="http://schemas.microsoft.com/office/drawing/2014/main" id="{BDDF4371-2FE9-4A87-A37B-85E82BE7D4D9}"/>
-              </a:ext>
-            </a:extLst>
-          </p:cNvPr>
-          <p:cNvPicPr>
-            <a:picLocks noChangeAspect="1"/>
-          </p:cNvPicPr>
-          <p:nvPr/>
-        </p:nvPicPr>
-        <p:blipFill>
-          <a:blip r:embed="rId2">
-            <a:extLst>
-              <a:ext uri="{28A0092B-C50C-407E-A947-70E740481C1C}">
-                <a14:useLocalDpi xmlns:a14="http://schemas.microsoft.com/office/drawing/2010/main" val="0"/>
-              </a:ext>
-            </a:extLst>
-          </a:blip>
-          <a:stretch>
-            <a:fillRect/>
-          </a:stretch>
-        </p:blipFill>
-        <p:spPr>
-          <a:xfrm>
-            <a:off x="4038600" y="114856"/>
-            <a:ext cx="4114800" cy="3086100"/>
-          </a:xfrm>
-          <a:prstGeom prst="rect">
-            <a:avLst/>
-          </a:prstGeom>
-        </p:spPr>
-      </p:pic>
-      <p:pic>
-        <p:nvPicPr>
-          <p:cNvPr id="5" name="Picture 4" descr="Chart, histogram&#10;&#10;Description automatically generated">
-            <a:extLst>
-              <a:ext uri="{FF2B5EF4-FFF2-40B4-BE49-F238E27FC236}">
-                <a16:creationId xmlns:a16="http://schemas.microsoft.com/office/drawing/2014/main" id="{F16AF277-E475-47B1-AE95-59B2A75BA0CE}"/>
-              </a:ext>
-            </a:extLst>
-          </p:cNvPr>
-          <p:cNvPicPr>
-            <a:picLocks noChangeAspect="1"/>
-          </p:cNvPicPr>
-          <p:nvPr/>
-        </p:nvPicPr>
-        <p:blipFill>
-          <a:blip r:embed="rId3">
-            <a:extLst>
-              <a:ext uri="{28A0092B-C50C-407E-A947-70E740481C1C}">
-                <a14:useLocalDpi xmlns:a14="http://schemas.microsoft.com/office/drawing/2010/main" val="0"/>
-              </a:ext>
-            </a:extLst>
-          </a:blip>
-          <a:stretch>
-            <a:fillRect/>
-          </a:stretch>
-        </p:blipFill>
-        <p:spPr>
-          <a:xfrm>
-            <a:off x="14796" y="0"/>
-            <a:ext cx="4114800" cy="3086100"/>
-          </a:xfrm>
-          <a:prstGeom prst="rect">
-            <a:avLst/>
-          </a:prstGeom>
-        </p:spPr>
-      </p:pic>
-      <p:pic>
-        <p:nvPicPr>
-          <p:cNvPr id="7" name="Picture 6" descr="A picture containing graphical user interface&#10;&#10;Description automatically generated">
-            <a:extLst>
-              <a:ext uri="{FF2B5EF4-FFF2-40B4-BE49-F238E27FC236}">
-                <a16:creationId xmlns:a16="http://schemas.microsoft.com/office/drawing/2014/main" id="{F98EEAEA-3086-4A92-AD2F-9DEA4BF48452}"/>
-              </a:ext>
-            </a:extLst>
-          </p:cNvPr>
-          <p:cNvPicPr>
-            <a:picLocks noChangeAspect="1"/>
-          </p:cNvPicPr>
-          <p:nvPr/>
-        </p:nvPicPr>
-        <p:blipFill>
-          <a:blip r:embed="rId4">
-            <a:extLst>
-              <a:ext uri="{28A0092B-C50C-407E-A947-70E740481C1C}">
-                <a14:useLocalDpi xmlns:a14="http://schemas.microsoft.com/office/drawing/2010/main" val="0"/>
-              </a:ext>
-            </a:extLst>
-          </a:blip>
-          <a:stretch>
-            <a:fillRect/>
-          </a:stretch>
-        </p:blipFill>
-        <p:spPr>
-          <a:xfrm>
-            <a:off x="8103093" y="114856"/>
-            <a:ext cx="4114800" cy="3086100"/>
-          </a:xfrm>
-          <a:prstGeom prst="rect">
-            <a:avLst/>
-          </a:prstGeom>
-        </p:spPr>
-      </p:pic>
-      <p:sp>
-        <p:nvSpPr>
-          <p:cNvPr id="8" name="TextBox 7">
-            <a:extLst>
-              <a:ext uri="{FF2B5EF4-FFF2-40B4-BE49-F238E27FC236}">
-                <a16:creationId xmlns:a16="http://schemas.microsoft.com/office/drawing/2014/main" id="{27C78591-36DD-4ABE-89F4-CC715D87643A}"/>
-              </a:ext>
-            </a:extLst>
-          </p:cNvPr>
-          <p:cNvSpPr txBox="1"/>
-          <p:nvPr/>
-        </p:nvSpPr>
-        <p:spPr>
-          <a:xfrm>
-            <a:off x="691718" y="3200956"/>
-            <a:ext cx="1030550" cy="369332"/>
-          </a:xfrm>
-          <a:prstGeom prst="rect">
-            <a:avLst/>
-          </a:prstGeom>
-          <a:noFill/>
-        </p:spPr>
-        <p:txBody>
-          <a:bodyPr wrap="square" rtlCol="0">
-            <a:spAutoFit/>
-          </a:bodyPr>
-          <a:lstStyle/>
-          <a:p>
-            <a:r>
-              <a:rPr lang="en-US" altLang="zh-CN" dirty="0"/>
-              <a:t>M term</a:t>
-            </a:r>
-            <a:endParaRPr lang="en-US" dirty="0"/>
-          </a:p>
-        </p:txBody>
-      </p:sp>
-      <p:sp>
-        <p:nvSpPr>
-          <p:cNvPr id="9" name="TextBox 8">
-            <a:extLst>
-              <a:ext uri="{FF2B5EF4-FFF2-40B4-BE49-F238E27FC236}">
-                <a16:creationId xmlns:a16="http://schemas.microsoft.com/office/drawing/2014/main" id="{4F24DE52-4CBA-4EF2-BED9-E2397AEBE339}"/>
-              </a:ext>
-            </a:extLst>
-          </p:cNvPr>
-          <p:cNvSpPr txBox="1"/>
-          <p:nvPr/>
-        </p:nvSpPr>
-        <p:spPr>
-          <a:xfrm>
-            <a:off x="5580725" y="3244334"/>
-            <a:ext cx="1030550" cy="369332"/>
-          </a:xfrm>
-          <a:prstGeom prst="rect">
-            <a:avLst/>
-          </a:prstGeom>
-          <a:noFill/>
-        </p:spPr>
-        <p:txBody>
-          <a:bodyPr wrap="square" rtlCol="0">
-            <a:spAutoFit/>
-          </a:bodyPr>
-          <a:lstStyle/>
-          <a:p>
-            <a:r>
-              <a:rPr lang="en-US" altLang="zh-CN" dirty="0"/>
-              <a:t>C term</a:t>
-            </a:r>
-            <a:endParaRPr lang="en-US" dirty="0"/>
-          </a:p>
-        </p:txBody>
-      </p:sp>
-      <p:sp>
-        <p:nvSpPr>
-          <p:cNvPr id="10" name="TextBox 9">
-            <a:extLst>
-              <a:ext uri="{FF2B5EF4-FFF2-40B4-BE49-F238E27FC236}">
-                <a16:creationId xmlns:a16="http://schemas.microsoft.com/office/drawing/2014/main" id="{59E21E0A-8A18-47B6-A69C-19F37D7F9F0A}"/>
-              </a:ext>
-            </a:extLst>
-          </p:cNvPr>
-          <p:cNvSpPr txBox="1"/>
-          <p:nvPr/>
-        </p:nvSpPr>
-        <p:spPr>
-          <a:xfrm>
-            <a:off x="10160493" y="3287713"/>
-            <a:ext cx="1030550" cy="369332"/>
-          </a:xfrm>
-          <a:prstGeom prst="rect">
-            <a:avLst/>
-          </a:prstGeom>
-          <a:noFill/>
-        </p:spPr>
-        <p:txBody>
-          <a:bodyPr wrap="square" rtlCol="0">
-            <a:spAutoFit/>
-          </a:bodyPr>
-          <a:lstStyle/>
-          <a:p>
-            <a:r>
-              <a:rPr lang="en-US" altLang="zh-CN" dirty="0"/>
-              <a:t>G term</a:t>
-            </a:r>
-            <a:endParaRPr lang="en-US" dirty="0"/>
-          </a:p>
-        </p:txBody>
-      </p:sp>
-      <p:sp>
-        <p:nvSpPr>
-          <p:cNvPr id="11" name="TextBox 10">
-            <a:extLst>
-              <a:ext uri="{FF2B5EF4-FFF2-40B4-BE49-F238E27FC236}">
-                <a16:creationId xmlns:a16="http://schemas.microsoft.com/office/drawing/2014/main" id="{49D9B288-F362-4E9B-986C-01D2152B4442}"/>
-              </a:ext>
-            </a:extLst>
-          </p:cNvPr>
-          <p:cNvSpPr txBox="1"/>
-          <p:nvPr/>
-        </p:nvSpPr>
-        <p:spPr>
-          <a:xfrm>
-            <a:off x="691718" y="4474346"/>
-            <a:ext cx="7892989" cy="923330"/>
-          </a:xfrm>
-          <a:prstGeom prst="rect">
-            <a:avLst/>
-          </a:prstGeom>
-          <a:noFill/>
-        </p:spPr>
-        <p:txBody>
-          <a:bodyPr wrap="square" rtlCol="0">
-            <a:spAutoFit/>
-          </a:bodyPr>
-          <a:lstStyle/>
-          <a:p>
-            <a:pPr marL="285750" indent="-285750">
-              <a:buFont typeface="Arial" panose="020B0604020202020204" pitchFamily="34" charset="0"/>
-              <a:buChar char="•"/>
-            </a:pPr>
-            <a:r>
-              <a:rPr lang="en-US" dirty="0"/>
-              <a:t>Have tried segmented data (sample 3000-4000, 8000-9000, 3000 - 6000) but none of them works</a:t>
-            </a:r>
-          </a:p>
-          <a:p>
-            <a:pPr marL="285750" indent="-285750">
-              <a:buFont typeface="Arial" panose="020B0604020202020204" pitchFamily="34" charset="0"/>
-              <a:buChar char="•"/>
-            </a:pPr>
-            <a:r>
-              <a:rPr lang="en-US" dirty="0"/>
-              <a:t>Identified reason: singularity(3000-4000 case), and cannot simulate(8000-9000) </a:t>
-            </a:r>
-          </a:p>
-        </p:txBody>
-      </p:sp>
-    </p:spTree>
-    <p:extLst>
-      <p:ext uri="{BB962C8B-B14F-4D97-AF65-F5344CB8AC3E}">
-        <p14:creationId xmlns:p14="http://schemas.microsoft.com/office/powerpoint/2010/main" val="734237565"/>
-      </p:ext>
-    </p:extLst>
-  </p:cSld>
-  <p:clrMapOvr>
-    <a:masterClrMapping/>
-  </p:clrMapOvr>
-</p:sld>
-</file>
-
-<file path=ppt/slides/slide5.xml><?xml version="1.0" encoding="utf-8"?>
-<p:sld xmlns:a="http://schemas.openxmlformats.org/drawingml/2006/main" xmlns:r="http://schemas.openxmlformats.org/officeDocument/2006/relationships" xmlns:p="http://schemas.openxmlformats.org/presentationml/2006/main">
-  <p:cSld>
-    <p:spTree>
-      <p:nvGrpSpPr>
-        <p:cNvPr id="1" name=""/>
-        <p:cNvGrpSpPr/>
-        <p:nvPr/>
-      </p:nvGrpSpPr>
-      <p:grpSpPr>
-        <a:xfrm>
-          <a:off x="0" y="0"/>
-          <a:ext cx="0" cy="0"/>
-          <a:chOff x="0" y="0"/>
-          <a:chExt cx="0" cy="0"/>
-        </a:xfrm>
-      </p:grpSpPr>
-      <p:pic>
-        <p:nvPicPr>
-          <p:cNvPr id="4" name="Picture 3" descr="Chart, radar chart&#10;&#10;Description automatically generated">
-            <a:extLst>
-              <a:ext uri="{FF2B5EF4-FFF2-40B4-BE49-F238E27FC236}">
-                <a16:creationId xmlns:a16="http://schemas.microsoft.com/office/drawing/2014/main" id="{7DFE8979-F53D-42BF-A968-E3B45B3C52D3}"/>
-              </a:ext>
-            </a:extLst>
-          </p:cNvPr>
-          <p:cNvPicPr>
-            <a:picLocks noChangeAspect="1"/>
-          </p:cNvPicPr>
-          <p:nvPr/>
-        </p:nvPicPr>
-        <p:blipFill>
-          <a:blip r:embed="rId2">
-            <a:extLst>
-              <a:ext uri="{28A0092B-C50C-407E-A947-70E740481C1C}">
-                <a14:useLocalDpi xmlns:a14="http://schemas.microsoft.com/office/drawing/2010/main" val="0"/>
-              </a:ext>
-            </a:extLst>
-          </a:blip>
-          <a:stretch>
-            <a:fillRect/>
-          </a:stretch>
-        </p:blipFill>
-        <p:spPr>
-          <a:xfrm>
-            <a:off x="0" y="0"/>
-            <a:ext cx="3200400" cy="3200400"/>
-          </a:xfrm>
-          <a:prstGeom prst="rect">
-            <a:avLst/>
-          </a:prstGeom>
-        </p:spPr>
-      </p:pic>
-      <p:pic>
-        <p:nvPicPr>
-          <p:cNvPr id="12" name="Picture 11" descr="Chart, radar chart&#10;&#10;Description automatically generated">
-            <a:extLst>
-              <a:ext uri="{FF2B5EF4-FFF2-40B4-BE49-F238E27FC236}">
-                <a16:creationId xmlns:a16="http://schemas.microsoft.com/office/drawing/2014/main" id="{5BF8A011-DB3C-4087-BB69-940998348B36}"/>
-              </a:ext>
-            </a:extLst>
-          </p:cNvPr>
-          <p:cNvPicPr>
-            <a:picLocks noChangeAspect="1"/>
-          </p:cNvPicPr>
-          <p:nvPr/>
-        </p:nvPicPr>
-        <p:blipFill>
-          <a:blip r:embed="rId3">
-            <a:extLst>
-              <a:ext uri="{28A0092B-C50C-407E-A947-70E740481C1C}">
-                <a14:useLocalDpi xmlns:a14="http://schemas.microsoft.com/office/drawing/2010/main" val="0"/>
-              </a:ext>
-            </a:extLst>
-          </a:blip>
-          <a:stretch>
-            <a:fillRect/>
-          </a:stretch>
-        </p:blipFill>
-        <p:spPr>
-          <a:xfrm>
-            <a:off x="0" y="3657601"/>
-            <a:ext cx="3200400" cy="3200400"/>
-          </a:xfrm>
-          <a:prstGeom prst="rect">
-            <a:avLst/>
-          </a:prstGeom>
-        </p:spPr>
-      </p:pic>
-      <p:sp>
-        <p:nvSpPr>
-          <p:cNvPr id="13" name="TextBox 12">
-            <a:extLst>
-              <a:ext uri="{FF2B5EF4-FFF2-40B4-BE49-F238E27FC236}">
-                <a16:creationId xmlns:a16="http://schemas.microsoft.com/office/drawing/2014/main" id="{04A8B07F-E1A4-4B4C-A72E-AB3664E4CB3F}"/>
-              </a:ext>
-            </a:extLst>
-          </p:cNvPr>
-          <p:cNvSpPr txBox="1"/>
-          <p:nvPr/>
-        </p:nvSpPr>
-        <p:spPr>
-          <a:xfrm>
-            <a:off x="557074" y="2494625"/>
-            <a:ext cx="2086252" cy="369332"/>
-          </a:xfrm>
-          <a:prstGeom prst="rect">
-            <a:avLst/>
-          </a:prstGeom>
-          <a:noFill/>
-        </p:spPr>
-        <p:txBody>
-          <a:bodyPr wrap="square" rtlCol="0">
-            <a:spAutoFit/>
-          </a:bodyPr>
-          <a:lstStyle/>
-          <a:p>
-            <a:r>
-              <a:rPr lang="en-US" altLang="zh-CN" dirty="0"/>
-              <a:t>Fig 1. sum of results</a:t>
-            </a:r>
-            <a:endParaRPr lang="en-US" dirty="0"/>
-          </a:p>
-        </p:txBody>
-      </p:sp>
-      <p:sp>
-        <p:nvSpPr>
-          <p:cNvPr id="14" name="TextBox 13">
-            <a:extLst>
-              <a:ext uri="{FF2B5EF4-FFF2-40B4-BE49-F238E27FC236}">
-                <a16:creationId xmlns:a16="http://schemas.microsoft.com/office/drawing/2014/main" id="{4D5F5635-9AC9-4042-8F0E-402ADC7BD137}"/>
-              </a:ext>
-            </a:extLst>
-          </p:cNvPr>
-          <p:cNvSpPr txBox="1"/>
-          <p:nvPr/>
-        </p:nvSpPr>
-        <p:spPr>
-          <a:xfrm>
-            <a:off x="541538" y="3638937"/>
-            <a:ext cx="2396970" cy="369332"/>
-          </a:xfrm>
-          <a:prstGeom prst="rect">
-            <a:avLst/>
-          </a:prstGeom>
-          <a:noFill/>
-        </p:spPr>
-        <p:txBody>
-          <a:bodyPr wrap="square" rtlCol="0">
-            <a:spAutoFit/>
-          </a:bodyPr>
-          <a:lstStyle/>
-          <a:p>
-            <a:r>
-              <a:rPr lang="en-US" altLang="zh-CN" dirty="0"/>
-              <a:t>Fig 2. zoomed of fig.1</a:t>
-            </a:r>
-            <a:endParaRPr lang="en-US" dirty="0"/>
-          </a:p>
-        </p:txBody>
-      </p:sp>
-      <p:pic>
-        <p:nvPicPr>
-          <p:cNvPr id="16" name="Picture 15" descr="A picture containing diagram&#10;&#10;Description automatically generated">
-            <a:extLst>
-              <a:ext uri="{FF2B5EF4-FFF2-40B4-BE49-F238E27FC236}">
-                <a16:creationId xmlns:a16="http://schemas.microsoft.com/office/drawing/2014/main" id="{16675708-2BB0-479D-835A-54E6D1609E7A}"/>
-              </a:ext>
-            </a:extLst>
-          </p:cNvPr>
-          <p:cNvPicPr>
-            <a:picLocks noChangeAspect="1"/>
-          </p:cNvPicPr>
-          <p:nvPr/>
-        </p:nvPicPr>
-        <p:blipFill>
-          <a:blip r:embed="rId4">
-            <a:extLst>
-              <a:ext uri="{28A0092B-C50C-407E-A947-70E740481C1C}">
-                <a14:useLocalDpi xmlns:a14="http://schemas.microsoft.com/office/drawing/2010/main" val="0"/>
-              </a:ext>
-            </a:extLst>
-          </a:blip>
-          <a:stretch>
-            <a:fillRect/>
-          </a:stretch>
-        </p:blipFill>
-        <p:spPr>
-          <a:xfrm>
-            <a:off x="3200400" y="0"/>
-            <a:ext cx="3048000" cy="2286000"/>
-          </a:xfrm>
-          <a:prstGeom prst="rect">
-            <a:avLst/>
-          </a:prstGeom>
-        </p:spPr>
-      </p:pic>
-      <p:pic>
-        <p:nvPicPr>
-          <p:cNvPr id="18" name="Picture 17" descr="Diagram&#10;&#10;Description automatically generated with low confidence">
-            <a:extLst>
-              <a:ext uri="{FF2B5EF4-FFF2-40B4-BE49-F238E27FC236}">
-                <a16:creationId xmlns:a16="http://schemas.microsoft.com/office/drawing/2014/main" id="{EB9E2478-410A-42A0-9A30-A5A171185D80}"/>
-              </a:ext>
-            </a:extLst>
-          </p:cNvPr>
-          <p:cNvPicPr>
-            <a:picLocks noChangeAspect="1"/>
-          </p:cNvPicPr>
-          <p:nvPr/>
-        </p:nvPicPr>
-        <p:blipFill>
-          <a:blip r:embed="rId5">
-            <a:extLst>
-              <a:ext uri="{28A0092B-C50C-407E-A947-70E740481C1C}">
-                <a14:useLocalDpi xmlns:a14="http://schemas.microsoft.com/office/drawing/2010/main" val="0"/>
-              </a:ext>
-            </a:extLst>
-          </a:blip>
-          <a:stretch>
-            <a:fillRect/>
-          </a:stretch>
-        </p:blipFill>
-        <p:spPr>
-          <a:xfrm>
-            <a:off x="3200400" y="2304664"/>
-            <a:ext cx="3048000" cy="2286000"/>
-          </a:xfrm>
-          <a:prstGeom prst="rect">
-            <a:avLst/>
-          </a:prstGeom>
-        </p:spPr>
-      </p:pic>
-      <p:pic>
-        <p:nvPicPr>
-          <p:cNvPr id="20" name="Picture 19" descr="Diagram&#10;&#10;Description automatically generated with medium confidence">
-            <a:extLst>
-              <a:ext uri="{FF2B5EF4-FFF2-40B4-BE49-F238E27FC236}">
-                <a16:creationId xmlns:a16="http://schemas.microsoft.com/office/drawing/2014/main" id="{84CE95E6-48F6-4B29-9263-3277D1863D9E}"/>
-              </a:ext>
-            </a:extLst>
-          </p:cNvPr>
-          <p:cNvPicPr>
-            <a:picLocks noChangeAspect="1"/>
-          </p:cNvPicPr>
-          <p:nvPr/>
-        </p:nvPicPr>
-        <p:blipFill>
-          <a:blip r:embed="rId6">
-            <a:extLst>
-              <a:ext uri="{28A0092B-C50C-407E-A947-70E740481C1C}">
-                <a14:useLocalDpi xmlns:a14="http://schemas.microsoft.com/office/drawing/2010/main" val="0"/>
-              </a:ext>
-            </a:extLst>
-          </a:blip>
-          <a:stretch>
-            <a:fillRect/>
-          </a:stretch>
-        </p:blipFill>
-        <p:spPr>
-          <a:xfrm>
-            <a:off x="3200400" y="4572000"/>
-            <a:ext cx="3048000" cy="2286000"/>
-          </a:xfrm>
-          <a:prstGeom prst="rect">
-            <a:avLst/>
-          </a:prstGeom>
-        </p:spPr>
-      </p:pic>
-      <p:sp>
-        <p:nvSpPr>
-          <p:cNvPr id="21" name="TextBox 20">
-            <a:extLst>
-              <a:ext uri="{FF2B5EF4-FFF2-40B4-BE49-F238E27FC236}">
-                <a16:creationId xmlns:a16="http://schemas.microsoft.com/office/drawing/2014/main" id="{6EA0289D-8831-4E8E-A40B-00C57A627BBC}"/>
-              </a:ext>
-            </a:extLst>
-          </p:cNvPr>
-          <p:cNvSpPr txBox="1"/>
-          <p:nvPr/>
-        </p:nvSpPr>
-        <p:spPr>
-          <a:xfrm>
-            <a:off x="3567344" y="143521"/>
-            <a:ext cx="1157056" cy="369332"/>
-          </a:xfrm>
-          <a:prstGeom prst="rect">
-            <a:avLst/>
-          </a:prstGeom>
-          <a:noFill/>
-        </p:spPr>
-        <p:txBody>
-          <a:bodyPr wrap="square" rtlCol="0">
-            <a:spAutoFit/>
-          </a:bodyPr>
-          <a:lstStyle/>
-          <a:p>
-            <a:r>
-              <a:rPr lang="en-US" dirty="0"/>
-              <a:t> 0 in fig2</a:t>
-            </a:r>
-          </a:p>
-        </p:txBody>
-      </p:sp>
-      <p:sp>
-        <p:nvSpPr>
-          <p:cNvPr id="22" name="TextBox 21">
-            <a:extLst>
-              <a:ext uri="{FF2B5EF4-FFF2-40B4-BE49-F238E27FC236}">
-                <a16:creationId xmlns:a16="http://schemas.microsoft.com/office/drawing/2014/main" id="{042674F2-BDEC-455D-836C-8943DF7BF9BC}"/>
-              </a:ext>
-            </a:extLst>
-          </p:cNvPr>
-          <p:cNvSpPr txBox="1"/>
-          <p:nvPr/>
-        </p:nvSpPr>
-        <p:spPr>
-          <a:xfrm>
-            <a:off x="3567344" y="2458541"/>
-            <a:ext cx="1157056" cy="369332"/>
-          </a:xfrm>
-          <a:prstGeom prst="rect">
-            <a:avLst/>
-          </a:prstGeom>
-          <a:noFill/>
-        </p:spPr>
-        <p:txBody>
-          <a:bodyPr wrap="square" rtlCol="0">
-            <a:spAutoFit/>
-          </a:bodyPr>
-          <a:lstStyle/>
-          <a:p>
-            <a:r>
-              <a:rPr lang="en-US" dirty="0"/>
-              <a:t> 5 in fig2</a:t>
-            </a:r>
-          </a:p>
-        </p:txBody>
-      </p:sp>
-      <p:sp>
-        <p:nvSpPr>
-          <p:cNvPr id="23" name="TextBox 22">
-            <a:extLst>
-              <a:ext uri="{FF2B5EF4-FFF2-40B4-BE49-F238E27FC236}">
-                <a16:creationId xmlns:a16="http://schemas.microsoft.com/office/drawing/2014/main" id="{2C16E9B3-EBEE-4A64-93B8-58A96DFD1672}"/>
-              </a:ext>
-            </a:extLst>
-          </p:cNvPr>
-          <p:cNvSpPr txBox="1"/>
-          <p:nvPr/>
-        </p:nvSpPr>
-        <p:spPr>
-          <a:xfrm>
-            <a:off x="3567344" y="4760765"/>
-            <a:ext cx="1157056" cy="369332"/>
-          </a:xfrm>
-          <a:prstGeom prst="rect">
-            <a:avLst/>
-          </a:prstGeom>
-          <a:noFill/>
-        </p:spPr>
-        <p:txBody>
-          <a:bodyPr wrap="square" rtlCol="0">
-            <a:spAutoFit/>
-          </a:bodyPr>
-          <a:lstStyle/>
-          <a:p>
-            <a:r>
-              <a:rPr lang="en-US" dirty="0"/>
-              <a:t> -5 in fig2</a:t>
-            </a:r>
-          </a:p>
-        </p:txBody>
-      </p:sp>
-      <p:pic>
-        <p:nvPicPr>
-          <p:cNvPr id="26" name="Picture 25" descr="Chart&#10;&#10;Description automatically generated">
-            <a:extLst>
-              <a:ext uri="{FF2B5EF4-FFF2-40B4-BE49-F238E27FC236}">
-                <a16:creationId xmlns:a16="http://schemas.microsoft.com/office/drawing/2014/main" id="{CD8279D9-DA06-426A-9A7C-829CD84699E5}"/>
-              </a:ext>
-            </a:extLst>
-          </p:cNvPr>
-          <p:cNvPicPr>
-            <a:picLocks noChangeAspect="1"/>
-          </p:cNvPicPr>
-          <p:nvPr/>
-        </p:nvPicPr>
-        <p:blipFill>
-          <a:blip r:embed="rId7">
-            <a:extLst>
-              <a:ext uri="{28A0092B-C50C-407E-A947-70E740481C1C}">
-                <a14:useLocalDpi xmlns:a14="http://schemas.microsoft.com/office/drawing/2010/main" val="0"/>
-              </a:ext>
-            </a:extLst>
-          </a:blip>
-          <a:stretch>
-            <a:fillRect/>
-          </a:stretch>
-        </p:blipFill>
-        <p:spPr>
-          <a:xfrm>
-            <a:off x="6096000" y="171551"/>
-            <a:ext cx="3833852" cy="1998891"/>
-          </a:xfrm>
-          <a:prstGeom prst="rect">
-            <a:avLst/>
-          </a:prstGeom>
-        </p:spPr>
-      </p:pic>
-      <p:pic>
-        <p:nvPicPr>
-          <p:cNvPr id="28" name="Picture 27">
-            <a:extLst>
-              <a:ext uri="{FF2B5EF4-FFF2-40B4-BE49-F238E27FC236}">
-                <a16:creationId xmlns:a16="http://schemas.microsoft.com/office/drawing/2014/main" id="{BFDC33BE-3C5F-454D-9A0D-B103327C779A}"/>
-              </a:ext>
-            </a:extLst>
-          </p:cNvPr>
-          <p:cNvPicPr>
-            <a:picLocks noChangeAspect="1"/>
-          </p:cNvPicPr>
-          <p:nvPr/>
-        </p:nvPicPr>
-        <p:blipFill>
-          <a:blip r:embed="rId8"/>
-          <a:stretch>
-            <a:fillRect/>
-          </a:stretch>
-        </p:blipFill>
-        <p:spPr>
-          <a:xfrm>
-            <a:off x="9929852" y="0"/>
-            <a:ext cx="2201178" cy="2899113"/>
-          </a:xfrm>
-          <a:prstGeom prst="rect">
-            <a:avLst/>
-          </a:prstGeom>
-        </p:spPr>
-      </p:pic>
-      <p:sp>
-        <p:nvSpPr>
-          <p:cNvPr id="29" name="TextBox 28">
-            <a:extLst>
-              <a:ext uri="{FF2B5EF4-FFF2-40B4-BE49-F238E27FC236}">
-                <a16:creationId xmlns:a16="http://schemas.microsoft.com/office/drawing/2014/main" id="{6442442B-FF33-4144-938E-35DEF8C7756B}"/>
-              </a:ext>
-            </a:extLst>
-          </p:cNvPr>
-          <p:cNvSpPr txBox="1"/>
-          <p:nvPr/>
-        </p:nvSpPr>
-        <p:spPr>
-          <a:xfrm>
-            <a:off x="6223245" y="2895228"/>
-            <a:ext cx="5789722" cy="3970318"/>
-          </a:xfrm>
-          <a:prstGeom prst="rect">
-            <a:avLst/>
-          </a:prstGeom>
-          <a:noFill/>
-        </p:spPr>
-        <p:txBody>
-          <a:bodyPr wrap="square" rtlCol="0">
-            <a:spAutoFit/>
-          </a:bodyPr>
-          <a:lstStyle/>
-          <a:p>
-            <a:pPr marL="285750" indent="-285750">
-              <a:buFont typeface="Arial" panose="020B0604020202020204" pitchFamily="34" charset="0"/>
-              <a:buChar char="•"/>
-            </a:pPr>
-            <a:r>
-              <a:rPr lang="en-US" dirty="0"/>
-              <a:t>Pressure is in [1,40] psi</a:t>
-            </a:r>
-          </a:p>
-          <a:p>
-            <a:pPr marL="285750" indent="-285750">
-              <a:buFont typeface="Arial" panose="020B0604020202020204" pitchFamily="34" charset="0"/>
-              <a:buChar char="•"/>
-            </a:pPr>
-            <a:r>
-              <a:rPr lang="en-US" dirty="0"/>
-              <a:t>Only change p2 and p3 while p1 = 1psi</a:t>
-            </a:r>
-          </a:p>
-          <a:p>
-            <a:pPr marL="285750" indent="-285750">
-              <a:buFont typeface="Arial" panose="020B0604020202020204" pitchFamily="34" charset="0"/>
-              <a:buChar char="•"/>
-            </a:pPr>
-            <a:r>
-              <a:rPr lang="en-US" dirty="0"/>
-              <a:t>Step response durations: 20 secs</a:t>
-            </a:r>
-          </a:p>
-          <a:p>
-            <a:pPr marL="285750" indent="-285750">
-              <a:buFont typeface="Arial" panose="020B0604020202020204" pitchFamily="34" charset="0"/>
-              <a:buChar char="•"/>
-            </a:pPr>
-            <a:r>
-              <a:rPr lang="en-US" dirty="0"/>
-              <a:t>Observation: </a:t>
-            </a:r>
-          </a:p>
-          <a:p>
-            <a:pPr marL="742950" lvl="1" indent="-285750">
-              <a:buFont typeface="Arial" panose="020B0604020202020204" pitchFamily="34" charset="0"/>
-              <a:buChar char="•"/>
-            </a:pPr>
-            <a:r>
-              <a:rPr lang="en-US" dirty="0"/>
-              <a:t>Phi is linearly dependent on p2 and p3 (theta not)</a:t>
-            </a:r>
-          </a:p>
-          <a:p>
-            <a:pPr marL="742950" lvl="1" indent="-285750">
-              <a:buFont typeface="Arial" panose="020B0604020202020204" pitchFamily="34" charset="0"/>
-              <a:buChar char="•"/>
-            </a:pPr>
-            <a:r>
-              <a:rPr lang="en-US" dirty="0"/>
-              <a:t>Twisting and non-circular bending happens at high pressure</a:t>
-            </a:r>
-          </a:p>
-          <a:p>
-            <a:pPr marL="742950" lvl="1" indent="-285750">
-              <a:buFont typeface="Arial" panose="020B0604020202020204" pitchFamily="34" charset="0"/>
-              <a:buChar char="•"/>
-            </a:pPr>
-            <a:r>
-              <a:rPr lang="en-US" dirty="0"/>
-              <a:t>Pneumatic fitting contacts with the bottom plate instead of the fabric chamber</a:t>
-            </a:r>
-          </a:p>
-          <a:p>
-            <a:pPr marL="285750" indent="-285750">
-              <a:buFont typeface="Arial" panose="020B0604020202020204" pitchFamily="34" charset="0"/>
-              <a:buChar char="•"/>
-            </a:pPr>
-            <a:r>
-              <a:rPr lang="en-US" dirty="0"/>
-              <a:t>Fix:</a:t>
-            </a:r>
-          </a:p>
-          <a:p>
-            <a:pPr marL="742950" lvl="1" indent="-285750">
-              <a:buFont typeface="Arial" panose="020B0604020202020204" pitchFamily="34" charset="0"/>
-              <a:buChar char="•"/>
-            </a:pPr>
-            <a:r>
-              <a:rPr lang="en-US" dirty="0"/>
-              <a:t>3d printed spacer for fitting issue (almost done)</a:t>
-            </a:r>
-          </a:p>
-          <a:p>
-            <a:pPr marL="742950" lvl="1" indent="-285750">
-              <a:buFont typeface="Arial" panose="020B0604020202020204" pitchFamily="34" charset="0"/>
-              <a:buChar char="•"/>
-            </a:pPr>
-            <a:r>
-              <a:rPr lang="en-US" dirty="0"/>
-              <a:t>Change the fabric pockets to 3d </a:t>
-            </a:r>
-            <a:r>
-              <a:rPr lang="en-US"/>
-              <a:t>printed soft cage</a:t>
-            </a:r>
-            <a:endParaRPr lang="en-US" dirty="0"/>
-          </a:p>
-          <a:p>
-            <a:pPr marL="742950" lvl="1" indent="-285750">
-              <a:buFont typeface="Arial" panose="020B0604020202020204" pitchFamily="34" charset="0"/>
-              <a:buChar char="•"/>
-            </a:pPr>
-            <a:endParaRPr lang="en-US" dirty="0"/>
-          </a:p>
-          <a:p>
-            <a:pPr marL="742950" lvl="1" indent="-285750">
-              <a:buFont typeface="Arial" panose="020B0604020202020204" pitchFamily="34" charset="0"/>
-              <a:buChar char="•"/>
-            </a:pPr>
-            <a:endParaRPr lang="en-US" dirty="0"/>
-          </a:p>
-        </p:txBody>
-      </p:sp>
-    </p:spTree>
-    <p:extLst>
-      <p:ext uri="{BB962C8B-B14F-4D97-AF65-F5344CB8AC3E}">
-        <p14:creationId xmlns:p14="http://schemas.microsoft.com/office/powerpoint/2010/main" val="2575135238"/>
-      </p:ext>
-    </p:extLst>
-  </p:cSld>
-  <p:clrMapOvr>
-    <a:masterClrMapping/>
-  </p:clrMapOvr>
-</p:sld>
-</file>
-
 <file path=ppt/theme/theme1.xml><?xml version="1.0" encoding="utf-8"?>
 <a:theme xmlns:a="http://schemas.openxmlformats.org/drawingml/2006/main" name="Office Theme">
   <a:themeElements>
